--- a/vignettes/fig/nested-ex.pptx
+++ b/vignettes/fig/nested-ex.pptx
@@ -4046,15 +4046,7 @@
           <a:p>
             <a:r>
               <a:rPr lang="en-CA" sz="2400" dirty="0"/>
-              <a:t>Normal            Depressed        </a:t>
-            </a:r>
-            <a:r>
-              <a:rPr lang="en-CA" sz="2400" dirty="0" err="1"/>
-              <a:t>Depressed</a:t>
-            </a:r>
-            <a:r>
-              <a:rPr lang="en-CA" sz="2400" dirty="0"/>
-              <a:t>     Schizophrenic</a:t>
+              <a:t>Normal            Depressed        Manic           Schizophrenic</a:t>
             </a:r>
           </a:p>
         </p:txBody>
@@ -4082,7 +4074,214 @@
             <a:avLst/>
           </a:prstGeom>
           <a:ln w="34925">
-            <a:tailEnd type="triangle"/>
+            <a:tailEnd type="stealth" w="lg" len="lg"/>
+          </a:ln>
+        </p:spPr>
+        <p:style>
+          <a:lnRef idx="1">
+            <a:schemeClr val="accent1"/>
+          </a:lnRef>
+          <a:fillRef idx="0">
+            <a:schemeClr val="accent1"/>
+          </a:fillRef>
+          <a:effectRef idx="0">
+            <a:schemeClr val="accent1"/>
+          </a:effectRef>
+          <a:fontRef idx="minor">
+            <a:schemeClr val="tx1"/>
+          </a:fontRef>
+        </p:style>
+      </p:cxnSp>
+      <p:cxnSp>
+        <p:nvCxnSpPr>
+          <p:cNvPr id="11" name="Straight Arrow Connector 10">
+            <a:extLst>
+              <a:ext uri="{FF2B5EF4-FFF2-40B4-BE49-F238E27FC236}">
+                <a16:creationId xmlns:a16="http://schemas.microsoft.com/office/drawing/2014/main" id="{F0A2C31D-9E67-732C-8645-D9DACEF7F5A6}"/>
+              </a:ext>
+            </a:extLst>
+          </p:cNvPr>
+          <p:cNvCxnSpPr>
+            <a:stCxn id="9" idx="2"/>
+          </p:cNvCxnSpPr>
+          <p:nvPr/>
+        </p:nvCxnSpPr>
+        <p:spPr>
+          <a:xfrm>
+            <a:off x="5289550" y="1647228"/>
+            <a:ext cx="892175" cy="776483"/>
+          </a:xfrm>
+          <a:prstGeom prst="straightConnector1">
+            <a:avLst/>
+          </a:prstGeom>
+          <a:ln w="34925">
+            <a:tailEnd type="stealth" w="lg" len="lg"/>
+          </a:ln>
+        </p:spPr>
+        <p:style>
+          <a:lnRef idx="1">
+            <a:schemeClr val="accent1"/>
+          </a:lnRef>
+          <a:fillRef idx="0">
+            <a:schemeClr val="accent1"/>
+          </a:fillRef>
+          <a:effectRef idx="0">
+            <a:schemeClr val="accent1"/>
+          </a:effectRef>
+          <a:fontRef idx="minor">
+            <a:schemeClr val="tx1"/>
+          </a:fontRef>
+        </p:style>
+      </p:cxnSp>
+      <p:cxnSp>
+        <p:nvCxnSpPr>
+          <p:cNvPr id="13" name="Straight Connector 12">
+            <a:extLst>
+              <a:ext uri="{FF2B5EF4-FFF2-40B4-BE49-F238E27FC236}">
+                <a16:creationId xmlns:a16="http://schemas.microsoft.com/office/drawing/2014/main" id="{F45EF89C-88B0-E2A7-9C6E-CF1EB991711A}"/>
+              </a:ext>
+            </a:extLst>
+          </p:cNvPr>
+          <p:cNvCxnSpPr>
+            <a:cxnSpLocks/>
+            <a:stCxn id="3" idx="2"/>
+          </p:cNvCxnSpPr>
+          <p:nvPr/>
+        </p:nvCxnSpPr>
+        <p:spPr>
+          <a:xfrm flipH="1">
+            <a:off x="5092701" y="2988965"/>
+            <a:ext cx="1117600" cy="792460"/>
+          </a:xfrm>
+          <a:prstGeom prst="line">
+            <a:avLst/>
+          </a:prstGeom>
+          <a:ln w="34925">
+            <a:tailEnd type="stealth" w="lg" len="lg"/>
+          </a:ln>
+        </p:spPr>
+        <p:style>
+          <a:lnRef idx="1">
+            <a:schemeClr val="accent1"/>
+          </a:lnRef>
+          <a:fillRef idx="0">
+            <a:schemeClr val="accent1"/>
+          </a:fillRef>
+          <a:effectRef idx="0">
+            <a:schemeClr val="accent1"/>
+          </a:effectRef>
+          <a:fontRef idx="minor">
+            <a:schemeClr val="tx1"/>
+          </a:fontRef>
+        </p:style>
+      </p:cxnSp>
+      <p:cxnSp>
+        <p:nvCxnSpPr>
+          <p:cNvPr id="16" name="Straight Arrow Connector 15">
+            <a:extLst>
+              <a:ext uri="{FF2B5EF4-FFF2-40B4-BE49-F238E27FC236}">
+                <a16:creationId xmlns:a16="http://schemas.microsoft.com/office/drawing/2014/main" id="{4CE17D13-44CF-A672-E743-4A4C5B6FFEB9}"/>
+              </a:ext>
+            </a:extLst>
+          </p:cNvPr>
+          <p:cNvCxnSpPr>
+            <a:stCxn id="3" idx="2"/>
+            <a:endCxn id="6" idx="0"/>
+          </p:cNvCxnSpPr>
+          <p:nvPr/>
+        </p:nvCxnSpPr>
+        <p:spPr>
+          <a:xfrm>
+            <a:off x="6210301" y="2988965"/>
+            <a:ext cx="1752599" cy="792460"/>
+          </a:xfrm>
+          <a:prstGeom prst="straightConnector1">
+            <a:avLst/>
+          </a:prstGeom>
+          <a:ln w="34925">
+            <a:tailEnd type="stealth" w="lg" len="lg"/>
+          </a:ln>
+        </p:spPr>
+        <p:style>
+          <a:lnRef idx="1">
+            <a:schemeClr val="accent1"/>
+          </a:lnRef>
+          <a:fillRef idx="0">
+            <a:schemeClr val="accent1"/>
+          </a:fillRef>
+          <a:effectRef idx="0">
+            <a:schemeClr val="accent1"/>
+          </a:effectRef>
+          <a:fontRef idx="minor">
+            <a:schemeClr val="tx1"/>
+          </a:fontRef>
+        </p:style>
+      </p:cxnSp>
+      <p:cxnSp>
+        <p:nvCxnSpPr>
+          <p:cNvPr id="18" name="Straight Arrow Connector 17">
+            <a:extLst>
+              <a:ext uri="{FF2B5EF4-FFF2-40B4-BE49-F238E27FC236}">
+                <a16:creationId xmlns:a16="http://schemas.microsoft.com/office/drawing/2014/main" id="{7DDB7BE3-1C2A-842C-0071-9D5C89908EDB}"/>
+              </a:ext>
+            </a:extLst>
+          </p:cNvPr>
+          <p:cNvCxnSpPr>
+            <a:stCxn id="5" idx="2"/>
+          </p:cNvCxnSpPr>
+          <p:nvPr/>
+        </p:nvCxnSpPr>
+        <p:spPr>
+          <a:xfrm flipH="1">
+            <a:off x="4260851" y="4330701"/>
+            <a:ext cx="831850" cy="765174"/>
+          </a:xfrm>
+          <a:prstGeom prst="straightConnector1">
+            <a:avLst/>
+          </a:prstGeom>
+          <a:ln w="34925">
+            <a:tailEnd type="stealth" w="lg" len="lg"/>
+          </a:ln>
+        </p:spPr>
+        <p:style>
+          <a:lnRef idx="1">
+            <a:schemeClr val="accent1"/>
+          </a:lnRef>
+          <a:fillRef idx="0">
+            <a:schemeClr val="accent1"/>
+          </a:fillRef>
+          <a:effectRef idx="0">
+            <a:schemeClr val="accent1"/>
+          </a:effectRef>
+          <a:fontRef idx="minor">
+            <a:schemeClr val="tx1"/>
+          </a:fontRef>
+        </p:style>
+      </p:cxnSp>
+      <p:cxnSp>
+        <p:nvCxnSpPr>
+          <p:cNvPr id="20" name="Straight Arrow Connector 19">
+            <a:extLst>
+              <a:ext uri="{FF2B5EF4-FFF2-40B4-BE49-F238E27FC236}">
+                <a16:creationId xmlns:a16="http://schemas.microsoft.com/office/drawing/2014/main" id="{9EE3BF48-BC07-DFCD-7ADB-6071E91F157A}"/>
+              </a:ext>
+            </a:extLst>
+          </p:cNvPr>
+          <p:cNvCxnSpPr>
+            <a:stCxn id="5" idx="2"/>
+          </p:cNvCxnSpPr>
+          <p:nvPr/>
+        </p:nvCxnSpPr>
+        <p:spPr>
+          <a:xfrm>
+            <a:off x="5092701" y="4330701"/>
+            <a:ext cx="915163" cy="765174"/>
+          </a:xfrm>
+          <a:prstGeom prst="straightConnector1">
+            <a:avLst/>
+          </a:prstGeom>
+          <a:ln w="34925">
+            <a:tailEnd type="stealth" w="lg" len="lg"/>
           </a:ln>
         </p:spPr>
         <p:style>
